--- a/public/pptx/PaperStructure.pptx
+++ b/public/pptx/PaperStructure.pptx
@@ -1218,7 +1218,7 @@
   <p:cSld>
     <p:spTree>
       <p:nvGrpSpPr>
-        <p:cNvPr id="236" name="Shape 236"/>
+        <p:cNvPr id="231" name="Shape 231"/>
         <p:cNvGrpSpPr/>
         <p:nvPr/>
       </p:nvGrpSpPr>
@@ -1232,7 +1232,7 @@
       </p:grpSpPr>
       <p:sp>
         <p:nvSpPr>
-          <p:cNvPr id="237" name="Google Shape;237;g3702fc159c9_0_251:notes"/>
+          <p:cNvPr id="232" name="Google Shape;232;g3702fc159c9_0_251:notes"/>
           <p:cNvSpPr/>
           <p:nvPr>
             <p:ph idx="2" type="sldImg"/>
@@ -1267,7 +1267,7 @@
       </p:sp>
       <p:sp>
         <p:nvSpPr>
-          <p:cNvPr id="238" name="Google Shape;238;g3702fc159c9_0_251:notes"/>
+          <p:cNvPr id="233" name="Google Shape;233;g3702fc159c9_0_251:notes"/>
           <p:cNvSpPr txBox="1"/>
           <p:nvPr>
             <p:ph idx="1" type="body"/>
@@ -9725,7 +9725,7 @@
         </p:blipFill>
         <p:spPr>
           <a:xfrm>
-            <a:off x="2071663" y="2434625"/>
+            <a:off x="2071663" y="2324438"/>
             <a:ext cx="212150" cy="212150"/>
           </a:xfrm>
           <a:prstGeom prst="rect">
@@ -9753,7 +9753,7 @@
         </p:blipFill>
         <p:spPr>
           <a:xfrm>
-            <a:off x="2071663" y="2095575"/>
+            <a:off x="2071663" y="1985388"/>
             <a:ext cx="212149" cy="212149"/>
           </a:xfrm>
           <a:prstGeom prst="rect">
@@ -9773,7 +9773,7 @@
         </p:nvSpPr>
         <p:spPr>
           <a:xfrm>
-            <a:off x="2253925" y="2031225"/>
+            <a:off x="2253925" y="1921038"/>
             <a:ext cx="1378200" cy="692700"/>
           </a:xfrm>
           <a:prstGeom prst="rect">
@@ -9882,7 +9882,7 @@
         </p:nvSpPr>
         <p:spPr>
           <a:xfrm>
-            <a:off x="1979600" y="1368175"/>
+            <a:off x="1979600" y="1257988"/>
             <a:ext cx="2642700" cy="400200"/>
           </a:xfrm>
           <a:prstGeom prst="rect">
@@ -10056,7 +10056,7 @@
         </p:blipFill>
         <p:spPr>
           <a:xfrm>
-            <a:off x="5926238" y="2434625"/>
+            <a:off x="5926238" y="2324438"/>
             <a:ext cx="212150" cy="212150"/>
           </a:xfrm>
           <a:prstGeom prst="rect">
@@ -10084,7 +10084,7 @@
         </p:blipFill>
         <p:spPr>
           <a:xfrm>
-            <a:off x="5926238" y="2095575"/>
+            <a:off x="5926238" y="1985388"/>
             <a:ext cx="212150" cy="212149"/>
           </a:xfrm>
           <a:prstGeom prst="rect">
@@ -10104,7 +10104,7 @@
         </p:nvSpPr>
         <p:spPr>
           <a:xfrm>
-            <a:off x="6108500" y="2031225"/>
+            <a:off x="6108500" y="1921038"/>
             <a:ext cx="1378200" cy="692700"/>
           </a:xfrm>
           <a:prstGeom prst="rect">
@@ -10213,7 +10213,7 @@
         </p:nvSpPr>
         <p:spPr>
           <a:xfrm>
-            <a:off x="5834175" y="1368175"/>
+            <a:off x="5834175" y="1257988"/>
             <a:ext cx="2642700" cy="400200"/>
           </a:xfrm>
           <a:prstGeom prst="rect">
@@ -10486,232 +10486,9 @@
           </a:p>
         </p:txBody>
       </p:sp>
-      <p:pic>
-        <p:nvPicPr>
-          <p:cNvPr id="226" name="Google Shape;226;p26" title="[CITYPNG.COM]Mail Email Address Round Outline Black Icon Transparent Background - 1000x1000.png"/>
-          <p:cNvPicPr preferRelativeResize="0"/>
-          <p:nvPr/>
-        </p:nvPicPr>
-        <p:blipFill>
-          <a:blip r:embed="rId6">
-            <a:alphaModFix/>
-          </a:blip>
-          <a:stretch>
-            <a:fillRect/>
-          </a:stretch>
-        </p:blipFill>
-        <p:spPr>
-          <a:xfrm>
-            <a:off x="5926238" y="4155875"/>
-            <a:ext cx="212150" cy="212150"/>
-          </a:xfrm>
-          <a:prstGeom prst="rect">
-            <a:avLst/>
-          </a:prstGeom>
-          <a:noFill/>
-          <a:ln>
-            <a:noFill/>
-          </a:ln>
-        </p:spPr>
-      </p:pic>
-      <p:pic>
-        <p:nvPicPr>
-          <p:cNvPr id="227" name="Google Shape;227;p26" title="[CITYPNG.COM]Whatsapp Black Logo Icon Transparent PNG - 600x600.png"/>
-          <p:cNvPicPr preferRelativeResize="0"/>
-          <p:nvPr/>
-        </p:nvPicPr>
-        <p:blipFill>
-          <a:blip r:embed="rId7">
-            <a:alphaModFix/>
-          </a:blip>
-          <a:stretch>
-            <a:fillRect/>
-          </a:stretch>
-        </p:blipFill>
-        <p:spPr>
-          <a:xfrm>
-            <a:off x="5926238" y="3816825"/>
-            <a:ext cx="212150" cy="212150"/>
-          </a:xfrm>
-          <a:prstGeom prst="rect">
-            <a:avLst/>
-          </a:prstGeom>
-          <a:noFill/>
-          <a:ln>
-            <a:noFill/>
-          </a:ln>
-        </p:spPr>
-      </p:pic>
       <p:sp>
         <p:nvSpPr>
-          <p:cNvPr id="228" name="Google Shape;228;p26"/>
-          <p:cNvSpPr txBox="1"/>
-          <p:nvPr/>
-        </p:nvSpPr>
-        <p:spPr>
-          <a:xfrm>
-            <a:off x="6108500" y="3752475"/>
-            <a:ext cx="1378200" cy="692700"/>
-          </a:xfrm>
-          <a:prstGeom prst="rect">
-            <a:avLst/>
-          </a:prstGeom>
-          <a:noFill/>
-          <a:ln>
-            <a:noFill/>
-          </a:ln>
-        </p:spPr>
-        <p:txBody>
-          <a:bodyPr anchorCtr="0" anchor="t" bIns="91425" lIns="91425" spcFirstLastPara="1" rIns="91425" wrap="square" tIns="91425">
-            <a:spAutoFit/>
-          </a:bodyPr>
-          <a:lstStyle/>
-          <a:p>
-            <a:pPr indent="0" lvl="0" marL="0" rtl="0" algn="l">
-              <a:spcBef>
-                <a:spcPts val="0"/>
-              </a:spcBef>
-              <a:spcAft>
-                <a:spcPts val="0"/>
-              </a:spcAft>
-              <a:buNone/>
-            </a:pPr>
-            <a:r>
-              <a:rPr lang="en" sz="1100">
-                <a:solidFill>
-                  <a:schemeClr val="dk1"/>
-                </a:solidFill>
-                <a:latin typeface="Poppins"/>
-                <a:ea typeface="Poppins"/>
-                <a:cs typeface="Poppins"/>
-                <a:sym typeface="Poppins"/>
-              </a:rPr>
-              <a:t>Phone Number</a:t>
-            </a:r>
-            <a:endParaRPr sz="1100">
-              <a:solidFill>
-                <a:schemeClr val="dk1"/>
-              </a:solidFill>
-              <a:latin typeface="Poppins"/>
-              <a:ea typeface="Poppins"/>
-              <a:cs typeface="Poppins"/>
-              <a:sym typeface="Poppins"/>
-            </a:endParaRPr>
-          </a:p>
-          <a:p>
-            <a:pPr indent="0" lvl="0" marL="0" rtl="0" algn="l">
-              <a:spcBef>
-                <a:spcPts val="0"/>
-              </a:spcBef>
-              <a:spcAft>
-                <a:spcPts val="0"/>
-              </a:spcAft>
-              <a:buNone/>
-            </a:pPr>
-            <a:r>
-              <a:t/>
-            </a:r>
-            <a:endParaRPr sz="1100">
-              <a:solidFill>
-                <a:schemeClr val="dk1"/>
-              </a:solidFill>
-              <a:latin typeface="Poppins"/>
-              <a:ea typeface="Poppins"/>
-              <a:cs typeface="Poppins"/>
-              <a:sym typeface="Poppins"/>
-            </a:endParaRPr>
-          </a:p>
-          <a:p>
-            <a:pPr indent="0" lvl="0" marL="0" rtl="0" algn="l">
-              <a:spcBef>
-                <a:spcPts val="0"/>
-              </a:spcBef>
-              <a:spcAft>
-                <a:spcPts val="0"/>
-              </a:spcAft>
-              <a:buNone/>
-            </a:pPr>
-            <a:r>
-              <a:rPr lang="en" sz="1100">
-                <a:solidFill>
-                  <a:schemeClr val="dk1"/>
-                </a:solidFill>
-                <a:latin typeface="Poppins"/>
-                <a:ea typeface="Poppins"/>
-                <a:cs typeface="Poppins"/>
-                <a:sym typeface="Poppins"/>
-              </a:rPr>
-              <a:t>Email</a:t>
-            </a:r>
-            <a:endParaRPr>
-              <a:solidFill>
-                <a:schemeClr val="dk1"/>
-              </a:solidFill>
-            </a:endParaRPr>
-          </a:p>
-        </p:txBody>
-      </p:sp>
-      <p:sp>
-        <p:nvSpPr>
-          <p:cNvPr id="229" name="Google Shape;229;p26"/>
-          <p:cNvSpPr txBox="1"/>
-          <p:nvPr/>
-        </p:nvSpPr>
-        <p:spPr>
-          <a:xfrm>
-            <a:off x="5834175" y="3089425"/>
-            <a:ext cx="2642700" cy="400200"/>
-          </a:xfrm>
-          <a:prstGeom prst="rect">
-            <a:avLst/>
-          </a:prstGeom>
-          <a:noFill/>
-          <a:ln>
-            <a:noFill/>
-          </a:ln>
-        </p:spPr>
-        <p:txBody>
-          <a:bodyPr anchorCtr="0" anchor="t" bIns="91425" lIns="91425" spcFirstLastPara="1" rIns="91425" wrap="square" tIns="91425">
-            <a:spAutoFit/>
-          </a:bodyPr>
-          <a:lstStyle/>
-          <a:p>
-            <a:pPr indent="0" lvl="0" marL="0" rtl="0" algn="l">
-              <a:spcBef>
-                <a:spcPts val="0"/>
-              </a:spcBef>
-              <a:spcAft>
-                <a:spcPts val="0"/>
-              </a:spcAft>
-              <a:buNone/>
-            </a:pPr>
-            <a:r>
-              <a:rPr b="1" lang="en">
-                <a:solidFill>
-                  <a:schemeClr val="dk1"/>
-                </a:solidFill>
-                <a:latin typeface="Poppins"/>
-                <a:ea typeface="Poppins"/>
-                <a:cs typeface="Poppins"/>
-                <a:sym typeface="Poppins"/>
-              </a:rPr>
-              <a:t>Member Name</a:t>
-            </a:r>
-            <a:endParaRPr sz="1100">
-              <a:solidFill>
-                <a:schemeClr val="dk1"/>
-              </a:solidFill>
-              <a:latin typeface="Poppins"/>
-              <a:ea typeface="Poppins"/>
-              <a:cs typeface="Poppins"/>
-              <a:sym typeface="Poppins"/>
-            </a:endParaRPr>
-          </a:p>
-        </p:txBody>
-      </p:sp>
-      <p:sp>
-        <p:nvSpPr>
-          <p:cNvPr id="230" name="Google Shape;230;p26"/>
+          <p:cNvPr id="226" name="Google Shape;226;p26"/>
           <p:cNvSpPr/>
           <p:nvPr>
             <p:ph idx="2" type="pic"/>
@@ -10719,7 +10496,7 @@
         </p:nvSpPr>
         <p:spPr>
           <a:xfrm>
-            <a:off x="606925" y="1368175"/>
+            <a:off x="606925" y="1257988"/>
             <a:ext cx="1297500" cy="1520100"/>
           </a:xfrm>
           <a:prstGeom prst="roundRect">
@@ -10737,7 +10514,7 @@
       </p:sp>
       <p:sp>
         <p:nvSpPr>
-          <p:cNvPr id="231" name="Google Shape;231;p26"/>
+          <p:cNvPr id="227" name="Google Shape;227;p26"/>
           <p:cNvSpPr/>
           <p:nvPr>
             <p:ph idx="3" type="pic"/>
@@ -10763,7 +10540,7 @@
       </p:sp>
       <p:sp>
         <p:nvSpPr>
-          <p:cNvPr id="232" name="Google Shape;232;p26"/>
+          <p:cNvPr id="228" name="Google Shape;228;p26"/>
           <p:cNvSpPr/>
           <p:nvPr>
             <p:ph idx="4" type="pic"/>
@@ -10771,7 +10548,7 @@
         </p:nvSpPr>
         <p:spPr>
           <a:xfrm>
-            <a:off x="4461463" y="1368175"/>
+            <a:off x="4461463" y="1257988"/>
             <a:ext cx="1297500" cy="1520100"/>
           </a:xfrm>
           <a:prstGeom prst="roundRect">
@@ -10789,33 +10566,7 @@
       </p:sp>
       <p:sp>
         <p:nvSpPr>
-          <p:cNvPr id="233" name="Google Shape;233;p26"/>
-          <p:cNvSpPr/>
-          <p:nvPr>
-            <p:ph idx="5" type="pic"/>
-          </p:nvPr>
-        </p:nvSpPr>
-        <p:spPr>
-          <a:xfrm>
-            <a:off x="4461388" y="3007250"/>
-            <a:ext cx="1297500" cy="1520100"/>
-          </a:xfrm>
-          <a:prstGeom prst="roundRect">
-            <a:avLst>
-              <a:gd fmla="val 11505" name="adj"/>
-            </a:avLst>
-          </a:prstGeom>
-          <a:solidFill>
-            <a:srgbClr val="D8D8D8"/>
-          </a:solidFill>
-          <a:ln>
-            <a:noFill/>
-          </a:ln>
-        </p:spPr>
-      </p:sp>
-      <p:sp>
-        <p:nvSpPr>
-          <p:cNvPr id="234" name="Google Shape;234;p26"/>
+          <p:cNvPr id="229" name="Google Shape;229;p26"/>
           <p:cNvSpPr txBox="1"/>
           <p:nvPr/>
         </p:nvSpPr>
@@ -10873,7 +10624,7 @@
       </p:sp>
       <p:pic>
         <p:nvPicPr>
-          <p:cNvPr id="235" name="Google Shape;235;p26"/>
+          <p:cNvPr id="230" name="Google Shape;230;p26"/>
           <p:cNvPicPr preferRelativeResize="0"/>
           <p:nvPr/>
         </p:nvPicPr>
@@ -10912,7 +10663,7 @@
   <p:cSld>
     <p:spTree>
       <p:nvGrpSpPr>
-        <p:cNvPr id="239" name="Shape 239"/>
+        <p:cNvPr id="234" name="Shape 234"/>
         <p:cNvGrpSpPr/>
         <p:nvPr/>
       </p:nvGrpSpPr>
@@ -10926,7 +10677,7 @@
       </p:grpSpPr>
       <p:pic>
         <p:nvPicPr>
-          <p:cNvPr id="240" name="Google Shape;240;p27" title="02072025 - Logo Developer Day-04.png"/>
+          <p:cNvPr id="235" name="Google Shape;235;p27" title="02072025 - Logo Developer Day-04.png"/>
           <p:cNvPicPr preferRelativeResize="0"/>
           <p:nvPr/>
         </p:nvPicPr>
@@ -10953,7 +10704,7 @@
       </p:pic>
       <p:pic>
         <p:nvPicPr>
-          <p:cNvPr id="241" name="Google Shape;241;p27"/>
+          <p:cNvPr id="236" name="Google Shape;236;p27"/>
           <p:cNvPicPr preferRelativeResize="0"/>
           <p:nvPr/>
         </p:nvPicPr>
@@ -10980,7 +10731,7 @@
       </p:pic>
       <p:sp>
         <p:nvSpPr>
-          <p:cNvPr id="242" name="Google Shape;242;p27"/>
+          <p:cNvPr id="237" name="Google Shape;237;p27"/>
           <p:cNvSpPr txBox="1"/>
           <p:nvPr/>
         </p:nvSpPr>
@@ -11038,7 +10789,7 @@
       </p:sp>
       <p:sp>
         <p:nvSpPr>
-          <p:cNvPr id="243" name="Google Shape;243;p27"/>
+          <p:cNvPr id="238" name="Google Shape;238;p27"/>
           <p:cNvSpPr txBox="1"/>
           <p:nvPr/>
         </p:nvSpPr>
@@ -11095,7 +10846,7 @@
       </p:sp>
       <p:sp>
         <p:nvSpPr>
-          <p:cNvPr id="244" name="Google Shape;244;p27"/>
+          <p:cNvPr id="239" name="Google Shape;239;p27"/>
           <p:cNvSpPr/>
           <p:nvPr/>
         </p:nvSpPr>
@@ -11146,7 +10897,7 @@
       </p:sp>
       <p:pic>
         <p:nvPicPr>
-          <p:cNvPr id="245" name="Google Shape;245;p27"/>
+          <p:cNvPr id="240" name="Google Shape;240;p27"/>
           <p:cNvPicPr preferRelativeResize="0"/>
           <p:nvPr/>
         </p:nvPicPr>
@@ -11174,7 +10925,7 @@
       </p:pic>
       <p:pic>
         <p:nvPicPr>
-          <p:cNvPr id="246" name="Google Shape;246;p27" title="02072025 - Logo Developer Day-05.png"/>
+          <p:cNvPr id="241" name="Google Shape;241;p27" title="02072025 - Logo Developer Day-05.png"/>
           <p:cNvPicPr preferRelativeResize="0"/>
           <p:nvPr/>
         </p:nvPicPr>
@@ -14119,6 +13870,285 @@
 </file>
 
 <file path=ppt/theme/theme1.xml><?xml version="1.0" encoding="utf-8"?>
+<a:theme xmlns:a="http://schemas.openxmlformats.org/drawingml/2006/main" xmlns:r="http://schemas.openxmlformats.org/officeDocument/2006/relationships" name="Simple Light">
+  <a:themeElements>
+    <a:clrScheme name="Simple Light">
+      <a:dk1>
+        <a:srgbClr val="000000"/>
+      </a:dk1>
+      <a:lt1>
+        <a:srgbClr val="FFFFFF"/>
+      </a:lt1>
+      <a:dk2>
+        <a:srgbClr val="595959"/>
+      </a:dk2>
+      <a:lt2>
+        <a:srgbClr val="EEEEEE"/>
+      </a:lt2>
+      <a:accent1>
+        <a:srgbClr val="4285F4"/>
+      </a:accent1>
+      <a:accent2>
+        <a:srgbClr val="212121"/>
+      </a:accent2>
+      <a:accent3>
+        <a:srgbClr val="78909C"/>
+      </a:accent3>
+      <a:accent4>
+        <a:srgbClr val="FFAB40"/>
+      </a:accent4>
+      <a:accent5>
+        <a:srgbClr val="0097A7"/>
+      </a:accent5>
+      <a:accent6>
+        <a:srgbClr val="EEFF41"/>
+      </a:accent6>
+      <a:hlink>
+        <a:srgbClr val="0097A7"/>
+      </a:hlink>
+      <a:folHlink>
+        <a:srgbClr val="0097A7"/>
+      </a:folHlink>
+    </a:clrScheme>
+    <a:fontScheme name="Office">
+      <a:majorFont>
+        <a:latin typeface="Arial"/>
+        <a:ea typeface=""/>
+        <a:cs typeface=""/>
+        <a:font script="Jpan" typeface="ＭＳ Ｐゴシック"/>
+        <a:font script="Hang" typeface="맑은 고딕"/>
+        <a:font script="Hans" typeface="宋体"/>
+        <a:font script="Hant" typeface="新細明體"/>
+        <a:font script="Arab" typeface="Times New Roman"/>
+        <a:font script="Hebr" typeface="Times New Roman"/>
+        <a:font script="Thai" typeface="Angsana New"/>
+        <a:font script="Ethi" typeface="Nyala"/>
+        <a:font script="Beng" typeface="Vrinda"/>
+        <a:font script="Gujr" typeface="Shruti"/>
+        <a:font script="Khmr" typeface="MoolBoran"/>
+        <a:font script="Knda" typeface="Tunga"/>
+        <a:font script="Guru" typeface="Raavi"/>
+        <a:font script="Cans" typeface="Euphemia"/>
+        <a:font script="Cher" typeface="Plantagenet Cherokee"/>
+        <a:font script="Yiii" typeface="Microsoft Yi Baiti"/>
+        <a:font script="Tibt" typeface="Microsoft Himalaya"/>
+        <a:font script="Thaa" typeface="MV Boli"/>
+        <a:font script="Deva" typeface="Mangal"/>
+        <a:font script="Telu" typeface="Gautami"/>
+        <a:font script="Taml" typeface="Latha"/>
+        <a:font script="Syrc" typeface="Estrangelo Edessa"/>
+        <a:font script="Orya" typeface="Kalinga"/>
+        <a:font script="Mlym" typeface="Kartika"/>
+        <a:font script="Laoo" typeface="DokChampa"/>
+        <a:font script="Sinh" typeface="Iskoola Pota"/>
+        <a:font script="Mong" typeface="Mongolian Baiti"/>
+        <a:font script="Viet" typeface="Times New Roman"/>
+        <a:font script="Uigh" typeface="Microsoft Uighur"/>
+        <a:font script="Geor" typeface="Sylfaen"/>
+      </a:majorFont>
+      <a:minorFont>
+        <a:latin typeface="Arial"/>
+        <a:ea typeface=""/>
+        <a:cs typeface=""/>
+        <a:font script="Jpan" typeface="ＭＳ Ｐゴシック"/>
+        <a:font script="Hang" typeface="맑은 고딕"/>
+        <a:font script="Hans" typeface="宋体"/>
+        <a:font script="Hant" typeface="新細明體"/>
+        <a:font script="Arab" typeface="Arial"/>
+        <a:font script="Hebr" typeface="Arial"/>
+        <a:font script="Thai" typeface="Cordia New"/>
+        <a:font script="Ethi" typeface="Nyala"/>
+        <a:font script="Beng" typeface="Vrinda"/>
+        <a:font script="Gujr" typeface="Shruti"/>
+        <a:font script="Khmr" typeface="DaunPenh"/>
+        <a:font script="Knda" typeface="Tunga"/>
+        <a:font script="Guru" typeface="Raavi"/>
+        <a:font script="Cans" typeface="Euphemia"/>
+        <a:font script="Cher" typeface="Plantagenet Cherokee"/>
+        <a:font script="Yiii" typeface="Microsoft Yi Baiti"/>
+        <a:font script="Tibt" typeface="Microsoft Himalaya"/>
+        <a:font script="Thaa" typeface="MV Boli"/>
+        <a:font script="Deva" typeface="Mangal"/>
+        <a:font script="Telu" typeface="Gautami"/>
+        <a:font script="Taml" typeface="Latha"/>
+        <a:font script="Syrc" typeface="Estrangelo Edessa"/>
+        <a:font script="Orya" typeface="Kalinga"/>
+        <a:font script="Mlym" typeface="Kartika"/>
+        <a:font script="Laoo" typeface="DokChampa"/>
+        <a:font script="Sinh" typeface="Iskoola Pota"/>
+        <a:font script="Mong" typeface="Mongolian Baiti"/>
+        <a:font script="Viet" typeface="Arial"/>
+        <a:font script="Uigh" typeface="Microsoft Uighur"/>
+        <a:font script="Geor" typeface="Sylfaen"/>
+      </a:minorFont>
+    </a:fontScheme>
+    <a:fmtScheme name="Office">
+      <a:fillStyleLst>
+        <a:solidFill>
+          <a:schemeClr val="phClr"/>
+        </a:solidFill>
+        <a:gradFill rotWithShape="1">
+          <a:gsLst>
+            <a:gs pos="0">
+              <a:schemeClr val="phClr">
+                <a:tint val="50000"/>
+                <a:satMod val="300000"/>
+              </a:schemeClr>
+            </a:gs>
+            <a:gs pos="35000">
+              <a:schemeClr val="phClr">
+                <a:tint val="37000"/>
+                <a:satMod val="300000"/>
+              </a:schemeClr>
+            </a:gs>
+            <a:gs pos="100000">
+              <a:schemeClr val="phClr">
+                <a:tint val="15000"/>
+                <a:satMod val="350000"/>
+              </a:schemeClr>
+            </a:gs>
+          </a:gsLst>
+          <a:lin ang="16200000" scaled="1"/>
+        </a:gradFill>
+        <a:gradFill rotWithShape="1">
+          <a:gsLst>
+            <a:gs pos="0">
+              <a:schemeClr val="phClr">
+                <a:tint val="100000"/>
+                <a:shade val="100000"/>
+                <a:satMod val="130000"/>
+              </a:schemeClr>
+            </a:gs>
+            <a:gs pos="100000">
+              <a:schemeClr val="phClr">
+                <a:tint val="50000"/>
+                <a:shade val="100000"/>
+                <a:satMod val="350000"/>
+              </a:schemeClr>
+            </a:gs>
+          </a:gsLst>
+          <a:lin ang="16200000" scaled="0"/>
+        </a:gradFill>
+      </a:fillStyleLst>
+      <a:lnStyleLst>
+        <a:ln w="9525" cap="flat" cmpd="sng" algn="ctr">
+          <a:solidFill>
+            <a:schemeClr val="phClr">
+              <a:shade val="95000"/>
+              <a:satMod val="105000"/>
+            </a:schemeClr>
+          </a:solidFill>
+          <a:prstDash val="solid"/>
+        </a:ln>
+        <a:ln w="25400" cap="flat" cmpd="sng" algn="ctr">
+          <a:solidFill>
+            <a:schemeClr val="phClr"/>
+          </a:solidFill>
+          <a:prstDash val="solid"/>
+        </a:ln>
+        <a:ln w="38100" cap="flat" cmpd="sng" algn="ctr">
+          <a:solidFill>
+            <a:schemeClr val="phClr"/>
+          </a:solidFill>
+          <a:prstDash val="solid"/>
+        </a:ln>
+      </a:lnStyleLst>
+      <a:effectStyleLst>
+        <a:effectStyle>
+          <a:effectLst>
+            <a:outerShdw blurRad="40000" dist="20000" dir="5400000" rotWithShape="0">
+              <a:srgbClr val="000000">
+                <a:alpha val="38000"/>
+              </a:srgbClr>
+            </a:outerShdw>
+          </a:effectLst>
+        </a:effectStyle>
+        <a:effectStyle>
+          <a:effectLst>
+            <a:outerShdw blurRad="40000" dist="23000" dir="5400000" rotWithShape="0">
+              <a:srgbClr val="000000">
+                <a:alpha val="35000"/>
+              </a:srgbClr>
+            </a:outerShdw>
+          </a:effectLst>
+        </a:effectStyle>
+        <a:effectStyle>
+          <a:effectLst>
+            <a:outerShdw blurRad="40000" dist="23000" dir="5400000" rotWithShape="0">
+              <a:srgbClr val="000000">
+                <a:alpha val="35000"/>
+              </a:srgbClr>
+            </a:outerShdw>
+          </a:effectLst>
+          <a:scene3d>
+            <a:camera prst="orthographicFront">
+              <a:rot lat="0" lon="0" rev="0"/>
+            </a:camera>
+            <a:lightRig rig="threePt" dir="t">
+              <a:rot lat="0" lon="0" rev="1200000"/>
+            </a:lightRig>
+          </a:scene3d>
+          <a:sp3d>
+            <a:bevelT w="63500" h="25400"/>
+          </a:sp3d>
+        </a:effectStyle>
+      </a:effectStyleLst>
+      <a:bgFillStyleLst>
+        <a:solidFill>
+          <a:schemeClr val="phClr"/>
+        </a:solidFill>
+        <a:gradFill rotWithShape="1">
+          <a:gsLst>
+            <a:gs pos="0">
+              <a:schemeClr val="phClr">
+                <a:tint val="40000"/>
+                <a:satMod val="350000"/>
+              </a:schemeClr>
+            </a:gs>
+            <a:gs pos="40000">
+              <a:schemeClr val="phClr">
+                <a:tint val="45000"/>
+                <a:shade val="99000"/>
+                <a:satMod val="350000"/>
+              </a:schemeClr>
+            </a:gs>
+            <a:gs pos="100000">
+              <a:schemeClr val="phClr">
+                <a:shade val="20000"/>
+                <a:satMod val="255000"/>
+              </a:schemeClr>
+            </a:gs>
+          </a:gsLst>
+          <a:path path="circle">
+            <a:fillToRect l="50000" t="-80000" r="50000" b="180000"/>
+          </a:path>
+        </a:gradFill>
+        <a:gradFill rotWithShape="1">
+          <a:gsLst>
+            <a:gs pos="0">
+              <a:schemeClr val="phClr">
+                <a:tint val="80000"/>
+                <a:satMod val="300000"/>
+              </a:schemeClr>
+            </a:gs>
+            <a:gs pos="100000">
+              <a:schemeClr val="phClr">
+                <a:shade val="30000"/>
+                <a:satMod val="200000"/>
+              </a:schemeClr>
+            </a:gs>
+          </a:gsLst>
+          <a:path path="circle">
+            <a:fillToRect l="50000" t="50000" r="50000" b="50000"/>
+          </a:path>
+        </a:gradFill>
+      </a:bgFillStyleLst>
+    </a:fmtScheme>
+  </a:themeElements>
+</a:theme>
+</file>
+
+<file path=ppt/theme/theme2.xml><?xml version="1.0" encoding="utf-8"?>
 <a:theme xmlns:a="http://schemas.openxmlformats.org/drawingml/2006/main" xmlns:r="http://schemas.openxmlformats.org/officeDocument/2006/relationships">
   <a:themeElements>
     <a:clrScheme name="Default">
@@ -14395,283 +14425,4 @@
     </a:fmtScheme>
   </a:themeElements>
 </a:theme>
-</file>
-
-<file path=ppt/theme/theme2.xml><?xml version="1.0" encoding="utf-8"?>
-<a:theme xmlns:a="http://schemas.openxmlformats.org/drawingml/2006/main" xmlns:r="http://schemas.openxmlformats.org/officeDocument/2006/relationships" name="Simple Light">
-  <a:themeElements>
-    <a:clrScheme name="Simple Light">
-      <a:dk1>
-        <a:srgbClr val="000000"/>
-      </a:dk1>
-      <a:lt1>
-        <a:srgbClr val="FFFFFF"/>
-      </a:lt1>
-      <a:dk2>
-        <a:srgbClr val="595959"/>
-      </a:dk2>
-      <a:lt2>
-        <a:srgbClr val="EEEEEE"/>
-      </a:lt2>
-      <a:accent1>
-        <a:srgbClr val="4285F4"/>
-      </a:accent1>
-      <a:accent2>
-        <a:srgbClr val="212121"/>
-      </a:accent2>
-      <a:accent3>
-        <a:srgbClr val="78909C"/>
-      </a:accent3>
-      <a:accent4>
-        <a:srgbClr val="FFAB40"/>
-      </a:accent4>
-      <a:accent5>
-        <a:srgbClr val="0097A7"/>
-      </a:accent5>
-      <a:accent6>
-        <a:srgbClr val="EEFF41"/>
-      </a:accent6>
-      <a:hlink>
-        <a:srgbClr val="0097A7"/>
-      </a:hlink>
-      <a:folHlink>
-        <a:srgbClr val="0097A7"/>
-      </a:folHlink>
-    </a:clrScheme>
-    <a:fontScheme name="Office">
-      <a:majorFont>
-        <a:latin typeface="Arial"/>
-        <a:ea typeface=""/>
-        <a:cs typeface=""/>
-        <a:font script="Jpan" typeface="ＭＳ Ｐゴシック"/>
-        <a:font script="Hang" typeface="맑은 고딕"/>
-        <a:font script="Hans" typeface="宋体"/>
-        <a:font script="Hant" typeface="新細明體"/>
-        <a:font script="Arab" typeface="Times New Roman"/>
-        <a:font script="Hebr" typeface="Times New Roman"/>
-        <a:font script="Thai" typeface="Angsana New"/>
-        <a:font script="Ethi" typeface="Nyala"/>
-        <a:font script="Beng" typeface="Vrinda"/>
-        <a:font script="Gujr" typeface="Shruti"/>
-        <a:font script="Khmr" typeface="MoolBoran"/>
-        <a:font script="Knda" typeface="Tunga"/>
-        <a:font script="Guru" typeface="Raavi"/>
-        <a:font script="Cans" typeface="Euphemia"/>
-        <a:font script="Cher" typeface="Plantagenet Cherokee"/>
-        <a:font script="Yiii" typeface="Microsoft Yi Baiti"/>
-        <a:font script="Tibt" typeface="Microsoft Himalaya"/>
-        <a:font script="Thaa" typeface="MV Boli"/>
-        <a:font script="Deva" typeface="Mangal"/>
-        <a:font script="Telu" typeface="Gautami"/>
-        <a:font script="Taml" typeface="Latha"/>
-        <a:font script="Syrc" typeface="Estrangelo Edessa"/>
-        <a:font script="Orya" typeface="Kalinga"/>
-        <a:font script="Mlym" typeface="Kartika"/>
-        <a:font script="Laoo" typeface="DokChampa"/>
-        <a:font script="Sinh" typeface="Iskoola Pota"/>
-        <a:font script="Mong" typeface="Mongolian Baiti"/>
-        <a:font script="Viet" typeface="Times New Roman"/>
-        <a:font script="Uigh" typeface="Microsoft Uighur"/>
-        <a:font script="Geor" typeface="Sylfaen"/>
-      </a:majorFont>
-      <a:minorFont>
-        <a:latin typeface="Arial"/>
-        <a:ea typeface=""/>
-        <a:cs typeface=""/>
-        <a:font script="Jpan" typeface="ＭＳ Ｐゴシック"/>
-        <a:font script="Hang" typeface="맑은 고딕"/>
-        <a:font script="Hans" typeface="宋体"/>
-        <a:font script="Hant" typeface="新細明體"/>
-        <a:font script="Arab" typeface="Arial"/>
-        <a:font script="Hebr" typeface="Arial"/>
-        <a:font script="Thai" typeface="Cordia New"/>
-        <a:font script="Ethi" typeface="Nyala"/>
-        <a:font script="Beng" typeface="Vrinda"/>
-        <a:font script="Gujr" typeface="Shruti"/>
-        <a:font script="Khmr" typeface="DaunPenh"/>
-        <a:font script="Knda" typeface="Tunga"/>
-        <a:font script="Guru" typeface="Raavi"/>
-        <a:font script="Cans" typeface="Euphemia"/>
-        <a:font script="Cher" typeface="Plantagenet Cherokee"/>
-        <a:font script="Yiii" typeface="Microsoft Yi Baiti"/>
-        <a:font script="Tibt" typeface="Microsoft Himalaya"/>
-        <a:font script="Thaa" typeface="MV Boli"/>
-        <a:font script="Deva" typeface="Mangal"/>
-        <a:font script="Telu" typeface="Gautami"/>
-        <a:font script="Taml" typeface="Latha"/>
-        <a:font script="Syrc" typeface="Estrangelo Edessa"/>
-        <a:font script="Orya" typeface="Kalinga"/>
-        <a:font script="Mlym" typeface="Kartika"/>
-        <a:font script="Laoo" typeface="DokChampa"/>
-        <a:font script="Sinh" typeface="Iskoola Pota"/>
-        <a:font script="Mong" typeface="Mongolian Baiti"/>
-        <a:font script="Viet" typeface="Arial"/>
-        <a:font script="Uigh" typeface="Microsoft Uighur"/>
-        <a:font script="Geor" typeface="Sylfaen"/>
-      </a:minorFont>
-    </a:fontScheme>
-    <a:fmtScheme name="Office">
-      <a:fillStyleLst>
-        <a:solidFill>
-          <a:schemeClr val="phClr"/>
-        </a:solidFill>
-        <a:gradFill rotWithShape="1">
-          <a:gsLst>
-            <a:gs pos="0">
-              <a:schemeClr val="phClr">
-                <a:tint val="50000"/>
-                <a:satMod val="300000"/>
-              </a:schemeClr>
-            </a:gs>
-            <a:gs pos="35000">
-              <a:schemeClr val="phClr">
-                <a:tint val="37000"/>
-                <a:satMod val="300000"/>
-              </a:schemeClr>
-            </a:gs>
-            <a:gs pos="100000">
-              <a:schemeClr val="phClr">
-                <a:tint val="15000"/>
-                <a:satMod val="350000"/>
-              </a:schemeClr>
-            </a:gs>
-          </a:gsLst>
-          <a:lin ang="16200000" scaled="1"/>
-        </a:gradFill>
-        <a:gradFill rotWithShape="1">
-          <a:gsLst>
-            <a:gs pos="0">
-              <a:schemeClr val="phClr">
-                <a:tint val="100000"/>
-                <a:shade val="100000"/>
-                <a:satMod val="130000"/>
-              </a:schemeClr>
-            </a:gs>
-            <a:gs pos="100000">
-              <a:schemeClr val="phClr">
-                <a:tint val="50000"/>
-                <a:shade val="100000"/>
-                <a:satMod val="350000"/>
-              </a:schemeClr>
-            </a:gs>
-          </a:gsLst>
-          <a:lin ang="16200000" scaled="0"/>
-        </a:gradFill>
-      </a:fillStyleLst>
-      <a:lnStyleLst>
-        <a:ln w="9525" cap="flat" cmpd="sng" algn="ctr">
-          <a:solidFill>
-            <a:schemeClr val="phClr">
-              <a:shade val="95000"/>
-              <a:satMod val="105000"/>
-            </a:schemeClr>
-          </a:solidFill>
-          <a:prstDash val="solid"/>
-        </a:ln>
-        <a:ln w="25400" cap="flat" cmpd="sng" algn="ctr">
-          <a:solidFill>
-            <a:schemeClr val="phClr"/>
-          </a:solidFill>
-          <a:prstDash val="solid"/>
-        </a:ln>
-        <a:ln w="38100" cap="flat" cmpd="sng" algn="ctr">
-          <a:solidFill>
-            <a:schemeClr val="phClr"/>
-          </a:solidFill>
-          <a:prstDash val="solid"/>
-        </a:ln>
-      </a:lnStyleLst>
-      <a:effectStyleLst>
-        <a:effectStyle>
-          <a:effectLst>
-            <a:outerShdw blurRad="40000" dist="20000" dir="5400000" rotWithShape="0">
-              <a:srgbClr val="000000">
-                <a:alpha val="38000"/>
-              </a:srgbClr>
-            </a:outerShdw>
-          </a:effectLst>
-        </a:effectStyle>
-        <a:effectStyle>
-          <a:effectLst>
-            <a:outerShdw blurRad="40000" dist="23000" dir="5400000" rotWithShape="0">
-              <a:srgbClr val="000000">
-                <a:alpha val="35000"/>
-              </a:srgbClr>
-            </a:outerShdw>
-          </a:effectLst>
-        </a:effectStyle>
-        <a:effectStyle>
-          <a:effectLst>
-            <a:outerShdw blurRad="40000" dist="23000" dir="5400000" rotWithShape="0">
-              <a:srgbClr val="000000">
-                <a:alpha val="35000"/>
-              </a:srgbClr>
-            </a:outerShdw>
-          </a:effectLst>
-          <a:scene3d>
-            <a:camera prst="orthographicFront">
-              <a:rot lat="0" lon="0" rev="0"/>
-            </a:camera>
-            <a:lightRig rig="threePt" dir="t">
-              <a:rot lat="0" lon="0" rev="1200000"/>
-            </a:lightRig>
-          </a:scene3d>
-          <a:sp3d>
-            <a:bevelT w="63500" h="25400"/>
-          </a:sp3d>
-        </a:effectStyle>
-      </a:effectStyleLst>
-      <a:bgFillStyleLst>
-        <a:solidFill>
-          <a:schemeClr val="phClr"/>
-        </a:solidFill>
-        <a:gradFill rotWithShape="1">
-          <a:gsLst>
-            <a:gs pos="0">
-              <a:schemeClr val="phClr">
-                <a:tint val="40000"/>
-                <a:satMod val="350000"/>
-              </a:schemeClr>
-            </a:gs>
-            <a:gs pos="40000">
-              <a:schemeClr val="phClr">
-                <a:tint val="45000"/>
-                <a:shade val="99000"/>
-                <a:satMod val="350000"/>
-              </a:schemeClr>
-            </a:gs>
-            <a:gs pos="100000">
-              <a:schemeClr val="phClr">
-                <a:shade val="20000"/>
-                <a:satMod val="255000"/>
-              </a:schemeClr>
-            </a:gs>
-          </a:gsLst>
-          <a:path path="circle">
-            <a:fillToRect l="50000" t="-80000" r="50000" b="180000"/>
-          </a:path>
-        </a:gradFill>
-        <a:gradFill rotWithShape="1">
-          <a:gsLst>
-            <a:gs pos="0">
-              <a:schemeClr val="phClr">
-                <a:tint val="80000"/>
-                <a:satMod val="300000"/>
-              </a:schemeClr>
-            </a:gs>
-            <a:gs pos="100000">
-              <a:schemeClr val="phClr">
-                <a:shade val="30000"/>
-                <a:satMod val="200000"/>
-              </a:schemeClr>
-            </a:gs>
-          </a:gsLst>
-          <a:path path="circle">
-            <a:fillToRect l="50000" t="50000" r="50000" b="50000"/>
-          </a:path>
-        </a:gradFill>
-      </a:bgFillStyleLst>
-    </a:fmtScheme>
-  </a:themeElements>
-</a:theme>
 </file>